--- a/coappsinternship.pptx
+++ b/coappsinternship.pptx
@@ -320,7 +320,7 @@
           <a:p>
             <a:fld id="{63A1C593-65D0-4073-BCC9-577B9352EA97}" type="datetimeFigureOut">
               <a:rPr lang="en-US" smtClean="0"/>
-              <a:t>5/27/2024</a:t>
+              <a:t>5/28/2024</a:t>
             </a:fld>
             <a:endParaRPr lang="en-US"/>
           </a:p>
@@ -566,7 +566,7 @@
           <a:p>
             <a:fld id="{63A1C593-65D0-4073-BCC9-577B9352EA97}" type="datetimeFigureOut">
               <a:rPr lang="en-US" smtClean="0"/>
-              <a:t>5/27/2024</a:t>
+              <a:t>5/28/2024</a:t>
             </a:fld>
             <a:endParaRPr lang="en-US"/>
           </a:p>
@@ -740,7 +740,7 @@
           <a:p>
             <a:fld id="{63A1C593-65D0-4073-BCC9-577B9352EA97}" type="datetimeFigureOut">
               <a:rPr lang="en-US" smtClean="0"/>
-              <a:t>5/27/2024</a:t>
+              <a:t>5/28/2024</a:t>
             </a:fld>
             <a:endParaRPr lang="en-US"/>
           </a:p>
@@ -904,7 +904,7 @@
           <a:p>
             <a:fld id="{63A1C593-65D0-4073-BCC9-577B9352EA97}" type="datetimeFigureOut">
               <a:rPr lang="en-US" smtClean="0"/>
-              <a:t>5/27/2024</a:t>
+              <a:t>5/28/2024</a:t>
             </a:fld>
             <a:endParaRPr lang="en-US"/>
           </a:p>
@@ -1091,7 +1091,7 @@
           <a:p>
             <a:fld id="{63A1C593-65D0-4073-BCC9-577B9352EA97}" type="datetimeFigureOut">
               <a:rPr lang="en-US" smtClean="0"/>
-              <a:t>5/27/2024</a:t>
+              <a:t>5/28/2024</a:t>
             </a:fld>
             <a:endParaRPr lang="en-US"/>
           </a:p>
@@ -1316,7 +1316,7 @@
           <a:p>
             <a:fld id="{63A1C593-65D0-4073-BCC9-577B9352EA97}" type="datetimeFigureOut">
               <a:rPr lang="en-US" smtClean="0"/>
-              <a:t>5/27/2024</a:t>
+              <a:t>5/28/2024</a:t>
             </a:fld>
             <a:endParaRPr lang="en-US"/>
           </a:p>
@@ -1676,7 +1676,7 @@
           <a:p>
             <a:fld id="{63A1C593-65D0-4073-BCC9-577B9352EA97}" type="datetimeFigureOut">
               <a:rPr lang="en-US" smtClean="0"/>
-              <a:t>5/27/2024</a:t>
+              <a:t>5/28/2024</a:t>
             </a:fld>
             <a:endParaRPr lang="en-US"/>
           </a:p>
@@ -1789,7 +1789,7 @@
           <a:p>
             <a:fld id="{63A1C593-65D0-4073-BCC9-577B9352EA97}" type="datetimeFigureOut">
               <a:rPr lang="en-US" smtClean="0"/>
-              <a:t>5/27/2024</a:t>
+              <a:t>5/28/2024</a:t>
             </a:fld>
             <a:endParaRPr lang="en-US"/>
           </a:p>
@@ -1880,7 +1880,7 @@
           <a:p>
             <a:fld id="{63A1C593-65D0-4073-BCC9-577B9352EA97}" type="datetimeFigureOut">
               <a:rPr lang="en-US" smtClean="0"/>
-              <a:t>5/27/2024</a:t>
+              <a:t>5/28/2024</a:t>
             </a:fld>
             <a:endParaRPr lang="en-US"/>
           </a:p>
@@ -2151,7 +2151,7 @@
           <a:p>
             <a:fld id="{63A1C593-65D0-4073-BCC9-577B9352EA97}" type="datetimeFigureOut">
               <a:rPr lang="en-US" smtClean="0"/>
-              <a:t>5/27/2024</a:t>
+              <a:t>5/28/2024</a:t>
             </a:fld>
             <a:endParaRPr lang="en-US"/>
           </a:p>
@@ -2428,7 +2428,7 @@
           <a:p>
             <a:fld id="{63A1C593-65D0-4073-BCC9-577B9352EA97}" type="datetimeFigureOut">
               <a:rPr lang="en-US" smtClean="0"/>
-              <a:t>5/27/2024</a:t>
+              <a:t>5/28/2024</a:t>
             </a:fld>
             <a:endParaRPr lang="en-US"/>
           </a:p>
@@ -2698,7 +2698,7 @@
           <a:p>
             <a:fld id="{63A1C593-65D0-4073-BCC9-577B9352EA97}" type="datetimeFigureOut">
               <a:rPr lang="en-US" smtClean="0"/>
-              <a:t>5/27/2024</a:t>
+              <a:t>5/28/2024</a:t>
             </a:fld>
             <a:endParaRPr lang="en-US"/>
           </a:p>
@@ -3280,7 +3280,7 @@
         <p:spPr>
           <a:xfrm>
             <a:off x="1255396" y="720090"/>
-            <a:ext cx="9211733" cy="1082675"/>
+            <a:ext cx="9211733" cy="1427492"/>
           </a:xfrm>
         </p:spPr>
         <p:txBody>
@@ -3330,7 +3330,7 @@
         </p:nvSpPr>
         <p:spPr>
           <a:xfrm>
-            <a:off x="3655695" y="4911090"/>
+            <a:off x="3169133" y="5104765"/>
             <a:ext cx="4411345" cy="1753235"/>
           </a:xfrm>
           <a:prstGeom prst="rect">
@@ -3345,11 +3345,18 @@
           <a:lstStyle/>
           <a:p>
             <a:r>
+              <a:rPr lang="en-US" b="1" dirty="0">
+                <a:latin typeface="Times New Roman" panose="02020603050405020304" pitchFamily="18" charset="0"/>
+                <a:cs typeface="Times New Roman" panose="02020603050405020304" pitchFamily="18" charset="0"/>
+              </a:rPr>
+              <a:t>Submitted By </a:t>
+            </a:r>
+            <a:r>
               <a:rPr lang="en-US" dirty="0">
                 <a:latin typeface="Times New Roman" panose="02020603050405020304" pitchFamily="18" charset="0"/>
                 <a:cs typeface="Times New Roman" panose="02020603050405020304" pitchFamily="18" charset="0"/>
               </a:rPr>
-              <a:t>Submitted By :</a:t>
+              <a:t>:</a:t>
             </a:r>
           </a:p>
           <a:p>
@@ -3421,8 +3428,8 @@
         </p:blipFill>
         <p:spPr>
           <a:xfrm>
-            <a:off x="4086225" y="2884805"/>
-            <a:ext cx="2773680" cy="728980"/>
+            <a:off x="3655695" y="2632907"/>
+            <a:ext cx="3611556" cy="949191"/>
           </a:xfrm>
           <a:prstGeom prst="rect">
             <a:avLst/>
@@ -3437,7 +3444,7 @@
         </p:nvSpPr>
         <p:spPr>
           <a:xfrm>
-            <a:off x="8067040" y="5654675"/>
+            <a:off x="7604549" y="5104765"/>
             <a:ext cx="2862580" cy="922020"/>
           </a:xfrm>
           <a:prstGeom prst="rect">
@@ -3451,28 +3458,31 @@
           </a:bodyPr>
           <a:lstStyle/>
           <a:p>
+            <a:pPr algn="r"/>
             <a:r>
               <a:rPr lang="en-US" dirty="0"/>
               <a:t>       </a:t>
             </a:r>
             <a:r>
+              <a:rPr lang="en-US" b="1" dirty="0">
+                <a:latin typeface="Times New Roman" panose="02020603050405020304" pitchFamily="18" charset="0"/>
+                <a:cs typeface="Times New Roman" panose="02020603050405020304" pitchFamily="18" charset="0"/>
+              </a:rPr>
+              <a:t>Guided By:</a:t>
+            </a:r>
+          </a:p>
+          <a:p>
+            <a:pPr algn="r"/>
+            <a:r>
               <a:rPr lang="en-US" dirty="0">
                 <a:latin typeface="Times New Roman" panose="02020603050405020304" pitchFamily="18" charset="0"/>
                 <a:cs typeface="Times New Roman" panose="02020603050405020304" pitchFamily="18" charset="0"/>
               </a:rPr>
-              <a:t>GUIDED BY:</a:t>
-            </a:r>
-          </a:p>
-          <a:p>
-            <a:r>
-              <a:rPr lang="en-US" dirty="0">
-                <a:latin typeface="Times New Roman" panose="02020603050405020304" pitchFamily="18" charset="0"/>
-                <a:cs typeface="Times New Roman" panose="02020603050405020304" pitchFamily="18" charset="0"/>
-              </a:rPr>
               <a:t>   MR. AMYJOY EXSON</a:t>
             </a:r>
           </a:p>
           <a:p>
+            <a:pPr algn="r"/>
             <a:r>
               <a:rPr lang="en-US" dirty="0">
                 <a:latin typeface="Times New Roman" panose="02020603050405020304" pitchFamily="18" charset="0"/>
@@ -3520,19 +3530,19 @@
         </p:nvSpPr>
         <p:spPr>
           <a:xfrm>
-            <a:off x="278765" y="221615"/>
-            <a:ext cx="11303635" cy="5906135"/>
+            <a:off x="245209" y="327171"/>
+            <a:ext cx="8647121" cy="5204961"/>
           </a:xfrm>
         </p:spPr>
         <p:txBody>
           <a:bodyPr/>
           <a:lstStyle/>
           <a:p>
-            <a:pPr marL="0" indent="0">
+            <a:pPr marL="0" indent="0" algn="just">
               <a:buNone/>
             </a:pPr>
             <a:r>
-              <a:rPr lang="en-US" dirty="0">
+              <a:rPr lang="en-US" sz="2800" b="1" dirty="0">
                 <a:latin typeface="Times New Roman" panose="02020603050405020304" pitchFamily="18" charset="0"/>
                 <a:cs typeface="Times New Roman" panose="02020603050405020304" pitchFamily="18" charset="0"/>
               </a:rPr>
@@ -3540,15 +3550,7 @@
             </a:r>
           </a:p>
           <a:p>
-            <a:pPr marL="0" indent="0">
-              <a:buNone/>
-            </a:pPr>
-            <a:endParaRPr lang="en-US" dirty="0">
-              <a:latin typeface="Times New Roman" panose="02020603050405020304" pitchFamily="18" charset="0"/>
-              <a:cs typeface="Times New Roman" panose="02020603050405020304" pitchFamily="18" charset="0"/>
-            </a:endParaRPr>
-          </a:p>
-          <a:p>
+            <a:pPr algn="just"/>
             <a:r>
               <a:rPr lang="en-US" sz="2800" dirty="0">
                 <a:solidFill>
@@ -3562,6 +3564,7 @@
             </a:r>
           </a:p>
           <a:p>
+            <a:pPr algn="just"/>
             <a:r>
               <a:rPr lang="en-US" sz="2800" dirty="0">
                 <a:solidFill>
@@ -3576,6 +3579,57 @@
           </a:p>
         </p:txBody>
       </p:sp>
+      <p:pic>
+        <p:nvPicPr>
+          <p:cNvPr id="4" name="Picture 3">
+            <a:extLst>
+              <a:ext uri="{FF2B5EF4-FFF2-40B4-BE49-F238E27FC236}">
+                <a16:creationId xmlns:a16="http://schemas.microsoft.com/office/drawing/2014/main" id="{6E59AEE7-7F09-85CA-DAE5-1AAFCD573716}"/>
+              </a:ext>
+            </a:extLst>
+          </p:cNvPr>
+          <p:cNvPicPr>
+            <a:picLocks noChangeAspect="1"/>
+          </p:cNvPicPr>
+          <p:nvPr/>
+        </p:nvPicPr>
+        <p:blipFill>
+          <a:blip r:embed="rId2">
+            <a:extLst>
+              <a:ext uri="{BEBA8EAE-BF5A-486C-A8C5-ECC9F3942E4B}">
+                <a14:imgProps xmlns:a14="http://schemas.microsoft.com/office/drawing/2010/main">
+                  <a14:imgLayer r:embed="rId3">
+                    <a14:imgEffect>
+                      <a14:sharpenSoften amount="25000"/>
+                    </a14:imgEffect>
+                    <a14:imgEffect>
+                      <a14:brightnessContrast bright="-1000" contrast="-45000"/>
+                    </a14:imgEffect>
+                  </a14:imgLayer>
+                </a14:imgProps>
+              </a:ext>
+              <a:ext uri="{28A0092B-C50C-407E-A947-70E740481C1C}">
+                <a14:useLocalDpi xmlns:a14="http://schemas.microsoft.com/office/drawing/2010/main" val="0"/>
+              </a:ext>
+              <a:ext uri="{837473B0-CC2E-450A-ABE3-18F120FF3D39}">
+                <a1611:picAttrSrcUrl xmlns:a1611="http://schemas.microsoft.com/office/drawing/2016/11/main" r:id="rId4"/>
+              </a:ext>
+            </a:extLst>
+          </a:blip>
+          <a:stretch>
+            <a:fillRect/>
+          </a:stretch>
+        </p:blipFill>
+        <p:spPr>
+          <a:xfrm>
+            <a:off x="3140278" y="3931533"/>
+            <a:ext cx="3663194" cy="2478380"/>
+          </a:xfrm>
+          <a:prstGeom prst="rect">
+            <a:avLst/>
+          </a:prstGeom>
+        </p:spPr>
+      </p:pic>
     </p:spTree>
   </p:cSld>
   <p:clrMapOvr>
@@ -3946,34 +4000,45 @@
         <p:spPr>
           <a:xfrm>
             <a:off x="194945" y="248920"/>
-            <a:ext cx="11387455" cy="5878830"/>
+            <a:ext cx="10526185" cy="5878830"/>
           </a:xfrm>
         </p:spPr>
         <p:txBody>
           <a:bodyPr/>
           <a:lstStyle/>
           <a:p>
-            <a:pPr marL="0" indent="0">
+            <a:pPr marL="0" indent="0" algn="just">
               <a:buNone/>
             </a:pPr>
             <a:r>
+              <a:rPr lang="en-US" sz="2800" b="1" dirty="0">
+                <a:latin typeface="Times New Roman" panose="02020603050405020304" pitchFamily="18" charset="0"/>
+                <a:cs typeface="Times New Roman" panose="02020603050405020304" pitchFamily="18" charset="0"/>
+              </a:rPr>
+              <a:t>MODULE 2: MODEL DEVELOPMENT &amp; TRAINING</a:t>
+            </a:r>
+          </a:p>
+          <a:p>
+            <a:pPr marL="0" indent="0" algn="just">
+              <a:buNone/>
+            </a:pPr>
+            <a:r>
+              <a:rPr lang="en-US" sz="2800" b="1" dirty="0">
+                <a:latin typeface="Times New Roman" panose="02020603050405020304" pitchFamily="18" charset="0"/>
+                <a:cs typeface="Times New Roman" panose="02020603050405020304" pitchFamily="18" charset="0"/>
+              </a:rPr>
+              <a:t>Model Development</a:t>
+            </a:r>
+            <a:r>
               <a:rPr lang="en-US" dirty="0">
                 <a:latin typeface="Times New Roman" panose="02020603050405020304" pitchFamily="18" charset="0"/>
                 <a:cs typeface="Times New Roman" panose="02020603050405020304" pitchFamily="18" charset="0"/>
               </a:rPr>
-              <a:t>Model Development:</a:t>
-            </a:r>
-          </a:p>
-          <a:p>
-            <a:pPr marL="0" indent="0">
-              <a:buNone/>
-            </a:pPr>
-            <a:endParaRPr lang="en-US" dirty="0">
-              <a:latin typeface="Times New Roman" panose="02020603050405020304" pitchFamily="18" charset="0"/>
-              <a:cs typeface="Times New Roman" panose="02020603050405020304" pitchFamily="18" charset="0"/>
-            </a:endParaRPr>
-          </a:p>
-          <a:p>
+              <a:t>:</a:t>
+            </a:r>
+          </a:p>
+          <a:p>
+            <a:pPr algn="just"/>
             <a:r>
               <a:rPr lang="en-US" sz="2800" dirty="0">
                 <a:solidFill>
@@ -3987,6 +4052,7 @@
             </a:r>
           </a:p>
           <a:p>
+            <a:pPr algn="just"/>
             <a:r>
               <a:rPr lang="en-US" sz="2800" dirty="0">
                 <a:solidFill>
@@ -3996,19 +4062,11 @@
                 <a:latin typeface="Times New Roman" panose="02020603050405020304" pitchFamily="18" charset="0"/>
                 <a:cs typeface="Times New Roman" panose="02020603050405020304" pitchFamily="18" charset="0"/>
               </a:rPr>
-              <a:t>We have also utilized libraries such as scikit-learn, TensorFlow, or </a:t>
-            </a:r>
-            <a:r>
-              <a:rPr lang="en-US" sz="2800" dirty="0" err="1">
-                <a:solidFill>
-                  <a:schemeClr val="tx1"/>
-                </a:solidFill>
-                <a:uFillTx/>
-                <a:latin typeface="Times New Roman" panose="02020603050405020304" pitchFamily="18" charset="0"/>
-                <a:cs typeface="Times New Roman" panose="02020603050405020304" pitchFamily="18" charset="0"/>
-              </a:rPr>
-              <a:t>Keras</a:t>
-            </a:r>
+              <a:t>We have also utilized libraries such as scikit-learn, TensorFlow, or Keras.</a:t>
+            </a:r>
+          </a:p>
+          <a:p>
+            <a:pPr algn="just"/>
             <a:r>
               <a:rPr lang="en-US" sz="2800" dirty="0">
                 <a:solidFill>
@@ -4018,42 +4076,7 @@
                 <a:latin typeface="Times New Roman" panose="02020603050405020304" pitchFamily="18" charset="0"/>
                 <a:cs typeface="Times New Roman" panose="02020603050405020304" pitchFamily="18" charset="0"/>
               </a:rPr>
-              <a:t>.</a:t>
-            </a:r>
-          </a:p>
-          <a:p>
-            <a:r>
-              <a:rPr lang="en-US" sz="2800" dirty="0">
-                <a:solidFill>
-                  <a:schemeClr val="tx1"/>
-                </a:solidFill>
-                <a:uFillTx/>
-                <a:latin typeface="Times New Roman" panose="02020603050405020304" pitchFamily="18" charset="0"/>
-                <a:cs typeface="Times New Roman" panose="02020603050405020304" pitchFamily="18" charset="0"/>
-              </a:rPr>
-              <a:t>We have also chosen some other appropriate machine learning algorithms such as Support Vector Machine (SVM), Random Forest, Naïve Bayes, and </a:t>
-            </a:r>
-            <a:r>
-              <a:rPr lang="en-US" sz="2800" dirty="0" err="1">
-                <a:solidFill>
-                  <a:schemeClr val="tx1"/>
-                </a:solidFill>
-                <a:uFillTx/>
-                <a:latin typeface="Times New Roman" panose="02020603050405020304" pitchFamily="18" charset="0"/>
-                <a:cs typeface="Times New Roman" panose="02020603050405020304" pitchFamily="18" charset="0"/>
-              </a:rPr>
-              <a:t>XGBoost</a:t>
-            </a:r>
-            <a:r>
-              <a:rPr lang="en-US" sz="2800" dirty="0">
-                <a:solidFill>
-                  <a:schemeClr val="tx1"/>
-                </a:solidFill>
-                <a:uFillTx/>
-                <a:latin typeface="Times New Roman" panose="02020603050405020304" pitchFamily="18" charset="0"/>
-                <a:cs typeface="Times New Roman" panose="02020603050405020304" pitchFamily="18" charset="0"/>
-              </a:rPr>
-              <a:t>, and linear regression along with logistic regression to compare the results with them.</a:t>
+              <a:t>We have also chosen some other appropriate machine learning algorithms such as Support Vector Machine (SVM), Random Forest, Naïve Bayes, and XG Boost, and linear regression along with logistic regression to compare the results with them.</a:t>
             </a:r>
           </a:p>
         </p:txBody>
@@ -4096,25 +4119,33 @@
         <p:spPr>
           <a:xfrm>
             <a:off x="236855" y="276860"/>
-            <a:ext cx="10972800" cy="5850890"/>
+            <a:ext cx="10274551" cy="2030112"/>
           </a:xfrm>
         </p:spPr>
         <p:txBody>
           <a:bodyPr/>
           <a:lstStyle/>
           <a:p>
-            <a:pPr marL="0" indent="0">
+            <a:pPr marL="0" indent="0" algn="just">
               <a:buNone/>
             </a:pPr>
             <a:r>
+              <a:rPr lang="en-US" sz="2800" b="1" dirty="0">
+                <a:latin typeface="Times New Roman" panose="02020603050405020304" pitchFamily="18" charset="0"/>
+                <a:cs typeface="Times New Roman" panose="02020603050405020304" pitchFamily="18" charset="0"/>
+              </a:rPr>
+              <a:t>Model Training</a:t>
+            </a:r>
+            <a:r>
               <a:rPr lang="en-US" dirty="0">
                 <a:latin typeface="Times New Roman" panose="02020603050405020304" pitchFamily="18" charset="0"/>
                 <a:cs typeface="Times New Roman" panose="02020603050405020304" pitchFamily="18" charset="0"/>
               </a:rPr>
-              <a:t>Model Training:</a:t>
-            </a:r>
-          </a:p>
-          <a:p>
+              <a:t>:</a:t>
+            </a:r>
+          </a:p>
+          <a:p>
+            <a:pPr algn="just"/>
             <a:r>
               <a:rPr lang="en-US" sz="2800" dirty="0">
                 <a:solidFill>
@@ -4124,29 +4155,7 @@
                 <a:latin typeface="Times New Roman" panose="02020603050405020304" pitchFamily="18" charset="0"/>
                 <a:cs typeface="Times New Roman" panose="02020603050405020304" pitchFamily="18" charset="0"/>
               </a:rPr>
-              <a:t>We trained the individual models (i.e., logistic regression, Support Vector Machine (SVM), Random Forest, Naive Bayes, and </a:t>
-            </a:r>
-            <a:r>
-              <a:rPr lang="en-US" sz="2800" dirty="0" err="1">
-                <a:solidFill>
-                  <a:schemeClr val="tx1"/>
-                </a:solidFill>
-                <a:uFillTx/>
-                <a:latin typeface="Times New Roman" panose="02020603050405020304" pitchFamily="18" charset="0"/>
-                <a:cs typeface="Times New Roman" panose="02020603050405020304" pitchFamily="18" charset="0"/>
-              </a:rPr>
-              <a:t>XGBoost</a:t>
-            </a:r>
-            <a:r>
-              <a:rPr lang="en-US" sz="2800" dirty="0">
-                <a:solidFill>
-                  <a:schemeClr val="tx1"/>
-                </a:solidFill>
-                <a:uFillTx/>
-                <a:latin typeface="Times New Roman" panose="02020603050405020304" pitchFamily="18" charset="0"/>
-                <a:cs typeface="Times New Roman" panose="02020603050405020304" pitchFamily="18" charset="0"/>
-              </a:rPr>
-              <a:t> and linear regression) on the resampled dataset.</a:t>
+              <a:t>We trained the individual models (i.e., logistic regression, Support Vector Machine (SVM), Random Forest, Naive Bayes, and XG Boost and linear regression) on the resampled dataset.</a:t>
             </a:r>
           </a:p>
           <a:p>
@@ -4240,14 +4249,34 @@
               <a:buNone/>
             </a:pPr>
             <a:r>
+              <a:rPr lang="en-US" sz="2800" b="1" dirty="0">
+                <a:latin typeface="Times New Roman" panose="02020603050405020304" pitchFamily="18" charset="0"/>
+                <a:cs typeface="Times New Roman" panose="02020603050405020304" pitchFamily="18" charset="0"/>
+              </a:rPr>
+              <a:t>MODULE 3: MODEL EVALUATION &amp; COMPARISON</a:t>
+            </a:r>
+          </a:p>
+          <a:p>
+            <a:pPr marL="0" indent="0">
+              <a:buNone/>
+            </a:pPr>
+            <a:r>
+              <a:rPr lang="en-US" sz="2800" b="1" dirty="0">
+                <a:latin typeface="Times New Roman" panose="02020603050405020304" pitchFamily="18" charset="0"/>
+                <a:cs typeface="Times New Roman" panose="02020603050405020304" pitchFamily="18" charset="0"/>
+              </a:rPr>
+              <a:t>Model Evaluation</a:t>
+            </a:r>
+            <a:r>
               <a:rPr lang="en-US" dirty="0">
                 <a:latin typeface="Times New Roman" panose="02020603050405020304" pitchFamily="18" charset="0"/>
                 <a:cs typeface="Times New Roman" panose="02020603050405020304" pitchFamily="18" charset="0"/>
               </a:rPr>
-              <a:t>Model Evaluation:</a:t>
-            </a:r>
-          </a:p>
-          <a:p>
+              <a:t>:</a:t>
+            </a:r>
+          </a:p>
+          <a:p>
+            <a:pPr algn="just"/>
             <a:r>
               <a:rPr lang="en-US" sz="2400" dirty="0">
                 <a:solidFill>
@@ -4285,8 +4314,8 @@
         </p:blipFill>
         <p:spPr>
           <a:xfrm>
-            <a:off x="1829435" y="2277745"/>
-            <a:ext cx="6609890" cy="4210685"/>
+            <a:off x="1904936" y="2512636"/>
+            <a:ext cx="5972326" cy="3804539"/>
           </a:xfrm>
           <a:prstGeom prst="rect">
             <a:avLst/>
@@ -4334,8 +4363,8 @@
         </p:nvSpPr>
         <p:spPr>
           <a:xfrm>
-            <a:off x="180975" y="234950"/>
-            <a:ext cx="11401425" cy="5892800"/>
+            <a:off x="180976" y="234950"/>
+            <a:ext cx="10456264" cy="5892800"/>
           </a:xfrm>
         </p:spPr>
         <p:txBody>
@@ -4346,23 +4375,22 @@
               <a:buNone/>
             </a:pPr>
             <a:r>
+              <a:rPr lang="en-US" sz="2800" b="1" dirty="0">
+                <a:latin typeface="Times New Roman" panose="02020603050405020304" pitchFamily="18" charset="0"/>
+                <a:cs typeface="Times New Roman" panose="02020603050405020304" pitchFamily="18" charset="0"/>
+              </a:rPr>
+              <a:t>Model Comparison</a:t>
+            </a:r>
+            <a:r>
               <a:rPr lang="en-US" dirty="0">
                 <a:latin typeface="Times New Roman" panose="02020603050405020304" pitchFamily="18" charset="0"/>
                 <a:cs typeface="Times New Roman" panose="02020603050405020304" pitchFamily="18" charset="0"/>
               </a:rPr>
-              <a:t>Model Comparison:</a:t>
-            </a:r>
-          </a:p>
-          <a:p>
-            <a:pPr marL="0" indent="0">
-              <a:buNone/>
-            </a:pPr>
-            <a:endParaRPr lang="en-US" dirty="0">
-              <a:latin typeface="Times New Roman" panose="02020603050405020304" pitchFamily="18" charset="0"/>
-              <a:cs typeface="Times New Roman" panose="02020603050405020304" pitchFamily="18" charset="0"/>
-            </a:endParaRPr>
-          </a:p>
-          <a:p>
+              <a:t>:</a:t>
+            </a:r>
+          </a:p>
+          <a:p>
+            <a:pPr algn="just"/>
             <a:r>
               <a:rPr lang="en-US" sz="2800" dirty="0">
                 <a:solidFill>
@@ -4376,6 +4404,7 @@
             </a:r>
           </a:p>
           <a:p>
+            <a:pPr algn="just"/>
             <a:r>
               <a:rPr lang="en-US" sz="2800" dirty="0">
                 <a:solidFill>
@@ -4389,6 +4418,7 @@
             </a:r>
           </a:p>
           <a:p>
+            <a:pPr algn="just"/>
             <a:r>
               <a:rPr lang="en-US" sz="2800" dirty="0">
                 <a:solidFill>
@@ -4441,7 +4471,7 @@
         <p:spPr>
           <a:xfrm>
             <a:off x="167640" y="248920"/>
-            <a:ext cx="11414760" cy="5878830"/>
+            <a:ext cx="9739758" cy="4859975"/>
           </a:xfrm>
         </p:spPr>
         <p:txBody>
@@ -4452,23 +4482,22 @@
               <a:buNone/>
             </a:pPr>
             <a:r>
+              <a:rPr lang="en-US" sz="2800" b="1" dirty="0">
+                <a:latin typeface="Times New Roman" panose="02020603050405020304" pitchFamily="18" charset="0"/>
+                <a:cs typeface="Times New Roman" panose="02020603050405020304" pitchFamily="18" charset="0"/>
+              </a:rPr>
+              <a:t>MODULE 4:MODEL ANALYSIS AND DEPLOYMENT </a:t>
+            </a:r>
+            <a:r>
               <a:rPr lang="en-US" dirty="0">
                 <a:latin typeface="Times New Roman" panose="02020603050405020304" pitchFamily="18" charset="0"/>
                 <a:cs typeface="Times New Roman" panose="02020603050405020304" pitchFamily="18" charset="0"/>
               </a:rPr>
-              <a:t>MODEL ANALYSIS AND DEPLOYMENT :</a:t>
-            </a:r>
-          </a:p>
-          <a:p>
-            <a:pPr marL="0" indent="0">
-              <a:buNone/>
-            </a:pPr>
-            <a:endParaRPr lang="en-US" dirty="0">
-              <a:latin typeface="Times New Roman" panose="02020603050405020304" pitchFamily="18" charset="0"/>
-              <a:cs typeface="Times New Roman" panose="02020603050405020304" pitchFamily="18" charset="0"/>
-            </a:endParaRPr>
-          </a:p>
-          <a:p>
+              <a:t>:</a:t>
+            </a:r>
+          </a:p>
+          <a:p>
+            <a:pPr algn="just"/>
             <a:r>
               <a:rPr lang="en-US" sz="2800" dirty="0">
                 <a:solidFill>
@@ -4478,10 +4507,25 @@
                 <a:latin typeface="Times New Roman" panose="02020603050405020304" pitchFamily="18" charset="0"/>
                 <a:cs typeface="Times New Roman" panose="02020603050405020304" pitchFamily="18" charset="0"/>
               </a:rPr>
-              <a:t>This module focuses on the in-depth analysis of the logistic regression model and its deployment for real-world sentiment analysis applications. The logistic regression model's performance is further scrutinized by comparing it with the other models and highlighting its practical benefits.</a:t>
-            </a:r>
-          </a:p>
-          <a:p>
+              <a:t>This module focuses on the in-depth analysis of the logistic regression model and its deployment for real-world sentiment analysis applications. </a:t>
+            </a:r>
+          </a:p>
+          <a:p>
+            <a:pPr algn="just"/>
+            <a:r>
+              <a:rPr lang="en-US" sz="2800" dirty="0">
+                <a:solidFill>
+                  <a:schemeClr val="tx1"/>
+                </a:solidFill>
+                <a:uFillTx/>
+                <a:latin typeface="Times New Roman" panose="02020603050405020304" pitchFamily="18" charset="0"/>
+                <a:cs typeface="Times New Roman" panose="02020603050405020304" pitchFamily="18" charset="0"/>
+              </a:rPr>
+              <a:t>The logistic regression model's performance is further scrutinized by comparing it with the other models and highlighting its practical benefits.</a:t>
+            </a:r>
+          </a:p>
+          <a:p>
+            <a:pPr algn="just"/>
             <a:r>
               <a:rPr lang="en-US" sz="2800" dirty="0">
                 <a:solidFill>
@@ -4763,27 +4807,15 @@
         </p:nvSpPr>
         <p:spPr>
           <a:xfrm>
-            <a:off x="102870" y="1215390"/>
-            <a:ext cx="11112500" cy="4732655"/>
+            <a:off x="102871" y="1215390"/>
+            <a:ext cx="10106532" cy="4229065"/>
           </a:xfrm>
         </p:spPr>
         <p:txBody>
           <a:bodyPr/>
           <a:lstStyle/>
           <a:p>
-            <a:pPr marL="0" indent="0">
-              <a:buNone/>
-            </a:pPr>
-            <a:endParaRPr lang="en-US" sz="2800" dirty="0">
-              <a:solidFill>
-                <a:schemeClr val="tx1"/>
-              </a:solidFill>
-              <a:uFillTx/>
-              <a:latin typeface="Times New Roman" panose="02020603050405020304" pitchFamily="18" charset="0"/>
-              <a:cs typeface="Times New Roman" panose="02020603050405020304" pitchFamily="18" charset="0"/>
-            </a:endParaRPr>
-          </a:p>
-          <a:p>
+            <a:pPr algn="just"/>
             <a:r>
               <a:rPr lang="en-US" sz="2800" dirty="0">
                 <a:solidFill>
@@ -4793,31 +4825,39 @@
                 <a:latin typeface="Times New Roman" panose="02020603050405020304" pitchFamily="18" charset="0"/>
                 <a:cs typeface="Times New Roman" panose="02020603050405020304" pitchFamily="18" charset="0"/>
               </a:rPr>
-              <a:t>In this project, we will collect a diverse dataset of social media posts from platforms such as Twitter, Facebook, and Instagram. The data will undergo preprocessing steps, including tokenization, removal of stop words, and stemming, to prepare it for analysis. </a:t>
-            </a:r>
-          </a:p>
-          <a:p>
-            <a:r>
-              <a:rPr lang="en-US" sz="2800" dirty="0" err="1">
-                <a:solidFill>
-                  <a:schemeClr val="tx1"/>
-                </a:solidFill>
-                <a:uFillTx/>
-                <a:latin typeface="Times New Roman" panose="02020603050405020304" pitchFamily="18" charset="0"/>
-                <a:cs typeface="Times New Roman" panose="02020603050405020304" pitchFamily="18" charset="0"/>
-              </a:rPr>
-              <a:t>Analysing</a:t>
+              <a:t>In this project, we had collected a diverse dataset </a:t>
             </a:r>
             <a:r>
               <a:rPr lang="en-US" sz="2800" dirty="0">
-                <a:solidFill>
-                  <a:schemeClr val="tx1"/>
-                </a:solidFill>
-                <a:uFillTx/>
-                <a:latin typeface="Times New Roman" panose="02020603050405020304" pitchFamily="18" charset="0"/>
-                <a:cs typeface="Times New Roman" panose="02020603050405020304" pitchFamily="18" charset="0"/>
-              </a:rPr>
-              <a:t> this sentiment effectively is crucial for businesses, policymakers, and researchers to understand public opinion, identify trends, and make informed decisions. </a:t>
+                <a:latin typeface="Times New Roman" panose="02020603050405020304" pitchFamily="18" charset="0"/>
+                <a:cs typeface="Times New Roman" panose="02020603050405020304" pitchFamily="18" charset="0"/>
+              </a:rPr>
+              <a:t>based on movie reviews in twitter</a:t>
+            </a:r>
+            <a:r>
+              <a:rPr lang="en-US" sz="2800" dirty="0">
+                <a:solidFill>
+                  <a:schemeClr val="tx1"/>
+                </a:solidFill>
+                <a:uFillTx/>
+                <a:latin typeface="Times New Roman" panose="02020603050405020304" pitchFamily="18" charset="0"/>
+                <a:cs typeface="Times New Roman" panose="02020603050405020304" pitchFamily="18" charset="0"/>
+              </a:rPr>
+              <a:t>. The data will undergo preprocessing steps, including tokenization, removal of stop words, and stemming, to prepare it for analysis. </a:t>
+            </a:r>
+          </a:p>
+          <a:p>
+            <a:pPr algn="just"/>
+            <a:r>
+              <a:rPr lang="en-US" sz="2800" dirty="0">
+                <a:solidFill>
+                  <a:schemeClr val="tx1"/>
+                </a:solidFill>
+                <a:uFillTx/>
+                <a:latin typeface="Times New Roman" panose="02020603050405020304" pitchFamily="18" charset="0"/>
+                <a:cs typeface="Times New Roman" panose="02020603050405020304" pitchFamily="18" charset="0"/>
+              </a:rPr>
+              <a:t>Analyzing this sentiment effectively is crucial for businesses, policymakers, and researchers to understand public opinion, identify trends, and make informed decisions. </a:t>
             </a:r>
           </a:p>
         </p:txBody>
@@ -4889,17 +4929,28 @@
         <p:spPr>
           <a:xfrm>
             <a:off x="458470" y="1078230"/>
-            <a:ext cx="11123930" cy="5505450"/>
+            <a:ext cx="9474095" cy="5505450"/>
           </a:xfrm>
         </p:spPr>
         <p:txBody>
           <a:bodyPr/>
           <a:lstStyle/>
           <a:p>
-            <a:pPr marL="0" indent="0">
+            <a:pPr marL="0" indent="0" algn="just">
               <a:buNone/>
             </a:pPr>
             <a:r>
+              <a:rPr lang="en-US" sz="2400" b="1" dirty="0">
+                <a:solidFill>
+                  <a:schemeClr val="tx1"/>
+                </a:solidFill>
+                <a:uFillTx/>
+                <a:latin typeface="Times New Roman" panose="02020603050405020304" pitchFamily="18" charset="0"/>
+                <a:cs typeface="Times New Roman" panose="02020603050405020304" pitchFamily="18" charset="0"/>
+              </a:rPr>
+              <a:t>Accuracy</a:t>
+            </a:r>
+            <a:r>
               <a:rPr lang="en-US" sz="2400" dirty="0">
                 <a:solidFill>
                   <a:schemeClr val="tx1"/>
@@ -4908,10 +4959,11 @@
                 <a:latin typeface="Times New Roman" panose="02020603050405020304" pitchFamily="18" charset="0"/>
                 <a:cs typeface="Times New Roman" panose="02020603050405020304" pitchFamily="18" charset="0"/>
               </a:rPr>
-              <a:t>Accuracy provides the proportion of correctly classified instances.</a:t>
-            </a:r>
-          </a:p>
-          <a:p>
+              <a:t> provides the proportion of correctly classified instances.</a:t>
+            </a:r>
+          </a:p>
+          <a:p>
+            <a:pPr algn="just"/>
             <a:r>
               <a:rPr lang="en-US" sz="2400" dirty="0">
                 <a:solidFill>
@@ -4944,6 +4996,7 @@
             </a:endParaRPr>
           </a:p>
           <a:p>
+            <a:pPr algn="just"/>
             <a:endParaRPr lang="en-US" sz="2400" dirty="0">
               <a:solidFill>
                 <a:schemeClr val="tx1"/>
@@ -4954,10 +5007,21 @@
             </a:endParaRPr>
           </a:p>
           <a:p>
-            <a:pPr marL="0" indent="0">
+            <a:pPr marL="0" indent="0" algn="just">
               <a:buNone/>
             </a:pPr>
             <a:r>
+              <a:rPr lang="en-US" sz="2400" b="1" dirty="0">
+                <a:solidFill>
+                  <a:schemeClr val="tx1"/>
+                </a:solidFill>
+                <a:uFillTx/>
+                <a:latin typeface="Times New Roman" panose="02020603050405020304" pitchFamily="18" charset="0"/>
+                <a:cs typeface="Times New Roman" panose="02020603050405020304" pitchFamily="18" charset="0"/>
+              </a:rPr>
+              <a:t>Precision</a:t>
+            </a:r>
+            <a:r>
               <a:rPr lang="en-US" sz="2400" dirty="0">
                 <a:solidFill>
                   <a:schemeClr val="tx1"/>
@@ -4966,10 +5030,11 @@
                 <a:latin typeface="Times New Roman" panose="02020603050405020304" pitchFamily="18" charset="0"/>
                 <a:cs typeface="Times New Roman" panose="02020603050405020304" pitchFamily="18" charset="0"/>
               </a:rPr>
-              <a:t>Precision focuses on the accuracy of positive predictions.</a:t>
-            </a:r>
-          </a:p>
-          <a:p>
+              <a:t> focuses on the accuracy of positive predictions.</a:t>
+            </a:r>
+          </a:p>
+          <a:p>
+            <a:pPr algn="just"/>
             <a:r>
               <a:rPr lang="en-US" sz="2400" dirty="0">
                 <a:solidFill>
@@ -4983,6 +5048,7 @@
             </a:r>
           </a:p>
           <a:p>
+            <a:pPr algn="just"/>
             <a:endParaRPr lang="en-US" sz="2400" dirty="0">
               <a:solidFill>
                 <a:schemeClr val="tx1"/>
@@ -4993,10 +5059,21 @@
             </a:endParaRPr>
           </a:p>
           <a:p>
-            <a:pPr marL="0" indent="0">
+            <a:pPr marL="0" indent="0" algn="just">
               <a:buNone/>
             </a:pPr>
             <a:r>
+              <a:rPr lang="en-US" sz="2400" b="1" dirty="0">
+                <a:solidFill>
+                  <a:schemeClr val="tx1"/>
+                </a:solidFill>
+                <a:uFillTx/>
+                <a:latin typeface="Times New Roman" panose="02020603050405020304" pitchFamily="18" charset="0"/>
+                <a:cs typeface="Times New Roman" panose="02020603050405020304" pitchFamily="18" charset="0"/>
+              </a:rPr>
+              <a:t>Recall</a:t>
+            </a:r>
+            <a:r>
               <a:rPr lang="en-US" sz="2400" dirty="0">
                 <a:solidFill>
                   <a:schemeClr val="tx1"/>
@@ -5005,10 +5082,11 @@
                 <a:latin typeface="Times New Roman" panose="02020603050405020304" pitchFamily="18" charset="0"/>
                 <a:cs typeface="Times New Roman" panose="02020603050405020304" pitchFamily="18" charset="0"/>
               </a:rPr>
-              <a:t>Recall (Sensitivity or True Positive Rate) measures the proportion of correctly predicted positive instances among all actual positive instances.</a:t>
-            </a:r>
-          </a:p>
-          <a:p>
+              <a:t> (Sensitivity or True Positive Rate) measures the proportion of correctly predicted positive instances among all actual positive instances.</a:t>
+            </a:r>
+          </a:p>
+          <a:p>
+            <a:pPr algn="just"/>
             <a:r>
               <a:rPr lang="en-US" sz="2400" dirty="0">
                 <a:solidFill>
@@ -5022,6 +5100,7 @@
             </a:r>
           </a:p>
           <a:p>
+            <a:pPr algn="just"/>
             <a:endParaRPr lang="en-US" sz="2400" dirty="0">
               <a:solidFill>
                 <a:schemeClr val="tx1"/>
@@ -5032,10 +5111,21 @@
             </a:endParaRPr>
           </a:p>
           <a:p>
-            <a:pPr marL="0" indent="0">
+            <a:pPr marL="0" indent="0" algn="just">
               <a:buNone/>
             </a:pPr>
             <a:r>
+              <a:rPr lang="en-US" sz="2400" b="1" dirty="0">
+                <a:solidFill>
+                  <a:schemeClr val="tx1"/>
+                </a:solidFill>
+                <a:uFillTx/>
+                <a:latin typeface="Times New Roman" panose="02020603050405020304" pitchFamily="18" charset="0"/>
+                <a:cs typeface="Times New Roman" panose="02020603050405020304" pitchFamily="18" charset="0"/>
+              </a:rPr>
+              <a:t>F1 Score </a:t>
+            </a:r>
+            <a:r>
               <a:rPr lang="en-US" sz="2400" dirty="0">
                 <a:solidFill>
                   <a:schemeClr val="tx1"/>
@@ -5044,10 +5134,11 @@
                 <a:latin typeface="Times New Roman" panose="02020603050405020304" pitchFamily="18" charset="0"/>
                 <a:cs typeface="Times New Roman" panose="02020603050405020304" pitchFamily="18" charset="0"/>
               </a:rPr>
-              <a:t>F1 Score is the harmonic mean of precision and recall.</a:t>
-            </a:r>
-          </a:p>
-          <a:p>
+              <a:t>is the harmonic mean of precision and recall.</a:t>
+            </a:r>
+          </a:p>
+          <a:p>
+            <a:pPr algn="just"/>
             <a:r>
               <a:rPr lang="en-US" sz="2400" dirty="0">
                 <a:solidFill>
@@ -5057,27 +5148,8 @@
                 <a:latin typeface="Times New Roman" panose="02020603050405020304" pitchFamily="18" charset="0"/>
                 <a:cs typeface="Times New Roman" panose="02020603050405020304" pitchFamily="18" charset="0"/>
               </a:rPr>
-              <a:t>𝐹1𝑆𝑐𝑜𝑟𝑒=2∗(𝑃𝑟𝑒𝑐𝑖𝑠𝑖𝑜𝑛∗𝑅𝑒𝑐𝑎𝑙𝑙)/𝑃𝑟𝑒𝑐𝑖𝑠𝑖𝑜𝑛+</a:t>
-            </a:r>
-            <a:r>
-              <a:rPr lang="en-US" sz="2400" dirty="0" err="1">
-                <a:solidFill>
-                  <a:schemeClr val="tx1"/>
-                </a:solidFill>
-                <a:uFillTx/>
-                <a:latin typeface="Times New Roman" panose="02020603050405020304" pitchFamily="18" charset="0"/>
-                <a:cs typeface="Times New Roman" panose="02020603050405020304" pitchFamily="18" charset="0"/>
-              </a:rPr>
-              <a:t>Reacall</a:t>
-            </a:r>
-            <a:endParaRPr lang="en-US" sz="2400" dirty="0">
-              <a:solidFill>
-                <a:schemeClr val="tx1"/>
-              </a:solidFill>
-              <a:uFillTx/>
-              <a:latin typeface="Times New Roman" panose="02020603050405020304" pitchFamily="18" charset="0"/>
-              <a:cs typeface="Times New Roman" panose="02020603050405020304" pitchFamily="18" charset="0"/>
-            </a:endParaRPr>
+              <a:t>𝐹1𝑆𝑐𝑜𝑟𝑒=2∗(𝑃𝑟𝑒𝑐𝑖𝑠𝑖𝑜𝑛∗𝑅𝑒𝑐𝑎𝑙𝑙)/𝑃𝑟𝑒𝑐𝑖𝑠𝑖𝑜𝑛+Recall</a:t>
+            </a:r>
           </a:p>
         </p:txBody>
       </p:sp>
@@ -5377,11 +5449,17 @@
             <p:ph idx="1"/>
           </p:nvPr>
         </p:nvSpPr>
-        <p:spPr/>
+        <p:spPr>
+          <a:xfrm>
+            <a:off x="609600" y="1174750"/>
+            <a:ext cx="10111530" cy="4953000"/>
+          </a:xfrm>
+        </p:spPr>
         <p:txBody>
           <a:bodyPr/>
           <a:lstStyle/>
           <a:p>
+            <a:pPr algn="just"/>
             <a:r>
               <a:rPr lang="en-US" sz="2400" dirty="0">
                 <a:solidFill>
@@ -5391,19 +5469,11 @@
                 <a:latin typeface="Times New Roman" panose="02020603050405020304" pitchFamily="18" charset="0"/>
                 <a:cs typeface="Times New Roman" panose="02020603050405020304" pitchFamily="18" charset="0"/>
               </a:rPr>
-              <a:t>This project demonstrates the application of logistic regression for sentiment analysis on social media data, showcasing its effectiveness in classifying sentiments as positive or negative. By systematically collecting, preprocessing, and visualizing social media data, we established a robust pipeline for sentiment analysis. The logistic regression model, known for its simplicity and interpretability, was trained and evaluated against other models like Support Vector Machine (SVM), Random Forest, Naive Bayes, and </a:t>
-            </a:r>
-            <a:r>
-              <a:rPr lang="en-US" sz="2400" dirty="0" err="1">
-                <a:solidFill>
-                  <a:schemeClr val="tx1"/>
-                </a:solidFill>
-                <a:uFillTx/>
-                <a:latin typeface="Times New Roman" panose="02020603050405020304" pitchFamily="18" charset="0"/>
-                <a:cs typeface="Times New Roman" panose="02020603050405020304" pitchFamily="18" charset="0"/>
-              </a:rPr>
-              <a:t>XGBoost</a:t>
-            </a:r>
+              <a:t>This project demonstrates the application of logistic regression for sentiment analysis on social media data, showcasing its effectiveness in classifying sentiments as positive or negative. </a:t>
+            </a:r>
+          </a:p>
+          <a:p>
+            <a:pPr algn="just"/>
             <a:r>
               <a:rPr lang="en-US" sz="2400" dirty="0">
                 <a:solidFill>
@@ -5413,7 +5483,35 @@
                 <a:latin typeface="Times New Roman" panose="02020603050405020304" pitchFamily="18" charset="0"/>
                 <a:cs typeface="Times New Roman" panose="02020603050405020304" pitchFamily="18" charset="0"/>
               </a:rPr>
-              <a:t>. Our comparative analysis highlighted that while logistic regression provides valuable insights and competitive performance, more complex models can offer slight improvements in accuracy at the cost of interpretability.</a:t>
+              <a:t>By systematically collecting, preprocessing, and visualizing social media data, we established a robust pipeline for sentiment analysis. </a:t>
+            </a:r>
+          </a:p>
+          <a:p>
+            <a:pPr algn="just"/>
+            <a:r>
+              <a:rPr lang="en-US" sz="2400" dirty="0">
+                <a:solidFill>
+                  <a:schemeClr val="tx1"/>
+                </a:solidFill>
+                <a:uFillTx/>
+                <a:latin typeface="Times New Roman" panose="02020603050405020304" pitchFamily="18" charset="0"/>
+                <a:cs typeface="Times New Roman" panose="02020603050405020304" pitchFamily="18" charset="0"/>
+              </a:rPr>
+              <a:t>The logistic regression model, known for its simplicity and interpretability, was trained and evaluated against other models like Support Vector Machine (SVM), Random Forest, Naive Bayes, and XG Boost. </a:t>
+            </a:r>
+          </a:p>
+          <a:p>
+            <a:pPr algn="just"/>
+            <a:r>
+              <a:rPr lang="en-US" sz="2400" dirty="0">
+                <a:solidFill>
+                  <a:schemeClr val="tx1"/>
+                </a:solidFill>
+                <a:uFillTx/>
+                <a:latin typeface="Times New Roman" panose="02020603050405020304" pitchFamily="18" charset="0"/>
+                <a:cs typeface="Times New Roman" panose="02020603050405020304" pitchFamily="18" charset="0"/>
+              </a:rPr>
+              <a:t>Our comparative analysis highlighted that while logistic regression provides valuable insights and competitive performance, more complex models can offer slight improvements in accuracy at the cost of interpretability.</a:t>
             </a:r>
           </a:p>
         </p:txBody>
@@ -5485,13 +5583,16 @@
         <p:spPr>
           <a:xfrm>
             <a:off x="609600" y="889000"/>
-            <a:ext cx="10972800" cy="5564505"/>
+            <a:ext cx="9734026" cy="5564505"/>
           </a:xfrm>
         </p:spPr>
         <p:txBody>
           <a:bodyPr/>
           <a:lstStyle/>
           <a:p>
+            <a:pPr marL="0" indent="0" algn="just">
+              <a:buNone/>
+            </a:pPr>
             <a:r>
               <a:rPr lang="en-US" sz="2000" dirty="0">
                 <a:solidFill>
@@ -5527,6 +5628,9 @@
             </a:r>
           </a:p>
           <a:p>
+            <a:pPr marL="0" indent="0" algn="just">
+              <a:buNone/>
+            </a:pPr>
             <a:r>
               <a:rPr lang="en-US" sz="2000" dirty="0">
                 <a:solidFill>
@@ -5562,6 +5666,9 @@
             </a:r>
           </a:p>
           <a:p>
+            <a:pPr marL="0" indent="0" algn="just">
+              <a:buNone/>
+            </a:pPr>
             <a:r>
               <a:rPr lang="en-US" sz="2000" dirty="0">
                 <a:solidFill>
@@ -5571,7 +5678,7 @@
                 <a:latin typeface="Times New Roman" panose="02020603050405020304" pitchFamily="18" charset="0"/>
                 <a:cs typeface="Times New Roman" panose="02020603050405020304" pitchFamily="18" charset="0"/>
               </a:rPr>
-              <a:t>[3]. J. Liu, S. Lin, and K. Zhang, "An Ensemble Approach for Sentiment Classification: Combining </a:t>
+              <a:t>[3]. J. Liu, S. Lin, and K. Zhang, "An Ensemble Approach for Sentiment Classification: Combining XG Boost, SVM, and Logistic Regression," Proceedings of the 2023 IEEE International Conference on Big Data (Big Data), pp. 456-463, December 2023. </a:t>
             </a:r>
             <a:r>
               <a:rPr lang="en-US" sz="2000" dirty="0" err="1">
@@ -5582,7 +5689,7 @@
                 <a:latin typeface="Times New Roman" panose="02020603050405020304" pitchFamily="18" charset="0"/>
                 <a:cs typeface="Times New Roman" panose="02020603050405020304" pitchFamily="18" charset="0"/>
               </a:rPr>
-              <a:t>XGBoost</a:t>
+              <a:t>doi</a:t>
             </a:r>
             <a:r>
               <a:rPr lang="en-US" sz="2000" dirty="0">
@@ -5593,7 +5700,23 @@
                 <a:latin typeface="Times New Roman" panose="02020603050405020304" pitchFamily="18" charset="0"/>
                 <a:cs typeface="Times New Roman" panose="02020603050405020304" pitchFamily="18" charset="0"/>
               </a:rPr>
-              <a:t>, SVM, and Logistic Regression," Proceedings of the 2023 IEEE International Conference on Big Data (Big Data), pp. 456-463, December 2023. </a:t>
+              <a:t>: 10.1109/BigData.2023.1234569.</a:t>
+            </a:r>
+          </a:p>
+          <a:p>
+            <a:pPr marL="0" indent="0" algn="just">
+              <a:buNone/>
+            </a:pPr>
+            <a:r>
+              <a:rPr lang="en-US" sz="2000" dirty="0">
+                <a:solidFill>
+                  <a:schemeClr val="tx1"/>
+                </a:solidFill>
+                <a:uFillTx/>
+                <a:latin typeface="Times New Roman" panose="02020603050405020304" pitchFamily="18" charset="0"/>
+                <a:cs typeface="Times New Roman" panose="02020603050405020304" pitchFamily="18" charset="0"/>
+              </a:rPr>
+              <a:t>[4]. H. Kim and D. Park, "Enhanced Sentiment Analysis with Deep Learning Techniques on Social Media Data," IEEE Transactions on Knowledge and Data Engineering, vol. 36, no. 1, pp. 123-134, January 2024. </a:t>
             </a:r>
             <a:r>
               <a:rPr lang="en-US" sz="2000" dirty="0" err="1">
@@ -5615,45 +5738,13 @@
                 <a:latin typeface="Times New Roman" panose="02020603050405020304" pitchFamily="18" charset="0"/>
                 <a:cs typeface="Times New Roman" panose="02020603050405020304" pitchFamily="18" charset="0"/>
               </a:rPr>
-              <a:t>: 10.1109/BigData.2023.1234569.</a:t>
-            </a:r>
-          </a:p>
-          <a:p>
-            <a:r>
-              <a:rPr lang="en-US" sz="2000" dirty="0">
-                <a:solidFill>
-                  <a:schemeClr val="tx1"/>
-                </a:solidFill>
-                <a:uFillTx/>
-                <a:latin typeface="Times New Roman" panose="02020603050405020304" pitchFamily="18" charset="0"/>
-                <a:cs typeface="Times New Roman" panose="02020603050405020304" pitchFamily="18" charset="0"/>
-              </a:rPr>
-              <a:t>[4]. H. Kim and D. Park, "Enhanced Sentiment Analysis with Deep Learning Techniques on Social Media Data," IEEE Transactions on Knowledge and Data Engineering, vol. 36, no. 1, pp. 123-134, January 2024. </a:t>
-            </a:r>
-            <a:r>
-              <a:rPr lang="en-US" sz="2000" dirty="0" err="1">
-                <a:solidFill>
-                  <a:schemeClr val="tx1"/>
-                </a:solidFill>
-                <a:uFillTx/>
-                <a:latin typeface="Times New Roman" panose="02020603050405020304" pitchFamily="18" charset="0"/>
-                <a:cs typeface="Times New Roman" panose="02020603050405020304" pitchFamily="18" charset="0"/>
-              </a:rPr>
-              <a:t>doi</a:t>
-            </a:r>
-            <a:r>
-              <a:rPr lang="en-US" sz="2000" dirty="0">
-                <a:solidFill>
-                  <a:schemeClr val="tx1"/>
-                </a:solidFill>
-                <a:uFillTx/>
-                <a:latin typeface="Times New Roman" panose="02020603050405020304" pitchFamily="18" charset="0"/>
-                <a:cs typeface="Times New Roman" panose="02020603050405020304" pitchFamily="18" charset="0"/>
-              </a:rPr>
               <a:t>: 10.1109/TKDE.2024.1234570.</a:t>
             </a:r>
           </a:p>
           <a:p>
+            <a:pPr marL="0" indent="0" algn="just">
+              <a:buNone/>
+            </a:pPr>
             <a:r>
               <a:rPr lang="en-US" sz="2000" dirty="0">
                 <a:solidFill>
@@ -5864,15 +5955,15 @@
         </p:nvSpPr>
         <p:spPr>
           <a:xfrm>
-            <a:off x="-458470" y="1540510"/>
-            <a:ext cx="11382375" cy="4810125"/>
+            <a:off x="-427838" y="1221730"/>
+            <a:ext cx="10923905" cy="3744554"/>
           </a:xfrm>
         </p:spPr>
         <p:txBody>
           <a:bodyPr/>
           <a:lstStyle/>
           <a:p>
-            <a:pPr lvl="2"/>
+            <a:pPr lvl="2" algn="just"/>
             <a:r>
               <a:rPr lang="en-US" sz="2800" dirty="0">
                 <a:solidFill>
@@ -5882,11 +5973,64 @@
                 <a:latin typeface="Times New Roman" panose="02020603050405020304" pitchFamily="18" charset="0"/>
                 <a:cs typeface="Times New Roman" panose="02020603050405020304" pitchFamily="18" charset="0"/>
               </a:rPr>
-              <a:t>The objective of this project is to develop machine learning model using logistic regression to analyze and classify sentiments in social media data. This involves preprocessing the data, training the model, and evaluating its performance to effectively distinguish between positive and negative sentiments expressed in user-generated content.</a:t>
-            </a:r>
-          </a:p>
-        </p:txBody>
-      </p:sp>
+              <a:t>The objective of this project is to develop machine learning model using logistic regression to analyze and classify sentiments in social media data. </a:t>
+            </a:r>
+          </a:p>
+          <a:p>
+            <a:pPr lvl="2" algn="just"/>
+            <a:r>
+              <a:rPr lang="en-US" sz="2800" dirty="0">
+                <a:solidFill>
+                  <a:schemeClr val="tx1"/>
+                </a:solidFill>
+                <a:uFillTx/>
+                <a:latin typeface="Times New Roman" panose="02020603050405020304" pitchFamily="18" charset="0"/>
+                <a:cs typeface="Times New Roman" panose="02020603050405020304" pitchFamily="18" charset="0"/>
+              </a:rPr>
+              <a:t>This involves preprocessing the data, training the model, and evaluating its performance to effectively distinguish between positive and negative sentiments expressed in user-generated content.</a:t>
+            </a:r>
+          </a:p>
+        </p:txBody>
+      </p:sp>
+      <p:pic>
+        <p:nvPicPr>
+          <p:cNvPr id="5" name="Picture 4">
+            <a:extLst>
+              <a:ext uri="{FF2B5EF4-FFF2-40B4-BE49-F238E27FC236}">
+                <a16:creationId xmlns:a16="http://schemas.microsoft.com/office/drawing/2014/main" id="{75C650D2-F2CD-AAC5-62D6-8C2EC6E70E6D}"/>
+              </a:ext>
+            </a:extLst>
+          </p:cNvPr>
+          <p:cNvPicPr>
+            <a:picLocks noChangeAspect="1"/>
+          </p:cNvPicPr>
+          <p:nvPr/>
+        </p:nvPicPr>
+        <p:blipFill>
+          <a:blip r:embed="rId2" cstate="print">
+            <a:extLst>
+              <a:ext uri="{28A0092B-C50C-407E-A947-70E740481C1C}">
+                <a14:useLocalDpi xmlns:a14="http://schemas.microsoft.com/office/drawing/2010/main" val="0"/>
+              </a:ext>
+              <a:ext uri="{837473B0-CC2E-450A-ABE3-18F120FF3D39}">
+                <a1611:picAttrSrcUrl xmlns:a1611="http://schemas.microsoft.com/office/drawing/2016/11/main" r:id="rId3"/>
+              </a:ext>
+            </a:extLst>
+          </a:blip>
+          <a:stretch>
+            <a:fillRect/>
+          </a:stretch>
+        </p:blipFill>
+        <p:spPr>
+          <a:xfrm>
+            <a:off x="7349496" y="3711429"/>
+            <a:ext cx="3146571" cy="3146571"/>
+          </a:xfrm>
+          <a:prstGeom prst="rect">
+            <a:avLst/>
+          </a:prstGeom>
+        </p:spPr>
+      </p:pic>
     </p:spTree>
   </p:cSld>
   <p:clrMapOvr>
@@ -5947,11 +6091,17 @@
             <p:ph idx="1"/>
           </p:nvPr>
         </p:nvSpPr>
-        <p:spPr/>
+        <p:spPr>
+          <a:xfrm>
+            <a:off x="609600" y="1174750"/>
+            <a:ext cx="9859861" cy="4953000"/>
+          </a:xfrm>
+        </p:spPr>
         <p:txBody>
           <a:bodyPr/>
           <a:lstStyle/>
           <a:p>
+            <a:pPr algn="just"/>
             <a:r>
               <a:rPr lang="en-US" sz="2800" dirty="0">
                 <a:solidFill>
@@ -5961,10 +6111,11 @@
                 <a:latin typeface="Times New Roman" panose="02020603050405020304" pitchFamily="18" charset="0"/>
                 <a:cs typeface="Times New Roman" panose="02020603050405020304" pitchFamily="18" charset="0"/>
               </a:rPr>
-              <a:t>Collecting a diverse dataset of social media posts from platforms such as Twitter, Facebook, and Instagram.</a:t>
-            </a:r>
-          </a:p>
-          <a:p>
+              <a:t>Collecting a diverse dataset of social media posts from platforms like Twitter.</a:t>
+            </a:r>
+          </a:p>
+          <a:p>
+            <a:pPr algn="just"/>
             <a:r>
               <a:rPr lang="en-US" sz="2800" dirty="0">
                 <a:solidFill>
@@ -5978,6 +6129,7 @@
             </a:r>
           </a:p>
           <a:p>
+            <a:pPr algn="just"/>
             <a:r>
               <a:rPr lang="en-US" sz="2800" dirty="0">
                 <a:solidFill>
@@ -5987,10 +6139,11 @@
                 <a:latin typeface="Times New Roman" panose="02020603050405020304" pitchFamily="18" charset="0"/>
                 <a:cs typeface="Times New Roman" panose="02020603050405020304" pitchFamily="18" charset="0"/>
               </a:rPr>
-              <a:t>Implementing a logistic regression model to classify sentiments as positive or negative based on the preprocessed data.</a:t>
-            </a:r>
-          </a:p>
-          <a:p>
+              <a:t>Implementing a logistic regression model to classify sentiments as positive or negative based on the preprocessed data and also compare the model with other machine learning algorithms</a:t>
+            </a:r>
+          </a:p>
+          <a:p>
+            <a:pPr algn="just"/>
             <a:r>
               <a:rPr lang="en-US" sz="2800" dirty="0">
                 <a:solidFill>
@@ -6004,7 +6157,7 @@
             </a:r>
           </a:p>
           <a:p>
-            <a:pPr marL="0" indent="0">
+            <a:pPr marL="0" indent="0" algn="just">
               <a:buNone/>
             </a:pPr>
             <a:endParaRPr lang="en-US" sz="2800" dirty="0">
@@ -6086,19 +6239,40 @@
         <p:spPr>
           <a:xfrm>
             <a:off x="298450" y="1271905"/>
-            <a:ext cx="10972800" cy="4953000"/>
+            <a:ext cx="10363957" cy="4953000"/>
           </a:xfrm>
         </p:spPr>
         <p:txBody>
           <a:bodyPr/>
           <a:lstStyle/>
           <a:p>
+            <a:pPr algn="just"/>
             <a:r>
               <a:rPr lang="en-US" dirty="0">
                 <a:latin typeface="Times New Roman" panose="02020603050405020304" pitchFamily="18" charset="0"/>
                 <a:cs typeface="Times New Roman" panose="02020603050405020304" pitchFamily="18" charset="0"/>
               </a:rPr>
-              <a:t>The proposed work involves collecting and preprocessing social media data, then developing a logistic regression model to classify sentiments. The model will be evaluated using metrics like accuracy and F1-score, compared with other models, and deployed via a RESTful API for real-time analysis. The results will provide insights into social media sentiments, with future work focusing on expanding datasets and improving the model with advanced techniques and multilingual support.</a:t>
+              <a:t>The proposed work involves collecting and preprocessing social media data, then developing a logistic regression model to classify sentiments. </a:t>
+            </a:r>
+          </a:p>
+          <a:p>
+            <a:pPr algn="just"/>
+            <a:r>
+              <a:rPr lang="en-US" dirty="0">
+                <a:latin typeface="Times New Roman" panose="02020603050405020304" pitchFamily="18" charset="0"/>
+                <a:cs typeface="Times New Roman" panose="02020603050405020304" pitchFamily="18" charset="0"/>
+              </a:rPr>
+              <a:t>The model will be evaluated using metrics like accuracy and F1-score, compared with other models, and deployed via a RESTful API for real-time analysis. </a:t>
+            </a:r>
+          </a:p>
+          <a:p>
+            <a:pPr algn="just"/>
+            <a:r>
+              <a:rPr lang="en-US" dirty="0">
+                <a:latin typeface="Times New Roman" panose="02020603050405020304" pitchFamily="18" charset="0"/>
+                <a:cs typeface="Times New Roman" panose="02020603050405020304" pitchFamily="18" charset="0"/>
+              </a:rPr>
+              <a:t>The results will provide insights into social media sentiments, with future work focusing on expanding datasets and improving the model with advanced techniques and multilingual support.</a:t>
             </a:r>
           </a:p>
         </p:txBody>
@@ -6138,7 +6312,12 @@
             <p:ph type="title"/>
           </p:nvPr>
         </p:nvSpPr>
-        <p:spPr/>
+        <p:spPr>
+          <a:xfrm>
+            <a:off x="11185" y="240834"/>
+            <a:ext cx="6084815" cy="582613"/>
+          </a:xfrm>
+        </p:spPr>
         <p:txBody>
           <a:bodyPr/>
           <a:lstStyle/>
@@ -6148,7 +6327,7 @@
                 <a:latin typeface="Times New Roman" panose="02020603050405020304" pitchFamily="18" charset="0"/>
                 <a:cs typeface="Times New Roman" panose="02020603050405020304" pitchFamily="18" charset="0"/>
               </a:rPr>
-              <a:t>ARCHITECTURE</a:t>
+              <a:t>SYSTEM ARCHITECTURE</a:t>
             </a:r>
             <a:r>
               <a:rPr lang="en-US" dirty="0"/>
@@ -6174,7 +6353,10 @@
                 <a14:imgProps xmlns:a14="http://schemas.microsoft.com/office/drawing/2010/main">
                   <a14:imgLayer r:embed="rId3">
                     <a14:imgEffect>
-                      <a14:brightnessContrast bright="20000" contrast="40000"/>
+                      <a14:sharpenSoften amount="33000"/>
+                    </a14:imgEffect>
+                    <a14:imgEffect>
+                      <a14:brightnessContrast bright="11000" contrast="35000"/>
                     </a14:imgEffect>
                   </a14:imgLayer>
                 </a14:imgProps>
@@ -6187,8 +6369,8 @@
         </p:blipFill>
         <p:spPr>
           <a:xfrm>
-            <a:off x="142240" y="773430"/>
-            <a:ext cx="12049760" cy="6108108"/>
+            <a:off x="0" y="973122"/>
+            <a:ext cx="10117496" cy="5195351"/>
           </a:xfrm>
           <a:prstGeom prst="rect">
             <a:avLst/>
@@ -6262,7 +6444,7 @@
         <p:spPr>
           <a:xfrm>
             <a:off x="443230" y="1271270"/>
-            <a:ext cx="10972800" cy="4953000"/>
+            <a:ext cx="9782950" cy="2814169"/>
           </a:xfrm>
         </p:spPr>
         <p:txBody>
@@ -6278,7 +6460,25 @@
                 <a:latin typeface="Times New Roman" panose="02020603050405020304" pitchFamily="18" charset="0"/>
                 <a:cs typeface="Times New Roman" panose="02020603050405020304" pitchFamily="18" charset="0"/>
               </a:rPr>
-              <a:t>DATA COLLECTION, PREPROCESSING &amp;amp; VISUALIZATION</a:t>
+              <a:t>DATA COLLECTION, DATA PREPROCESSING &amp;</a:t>
+            </a:r>
+            <a:r>
+              <a:rPr lang="en-US" sz="2800" dirty="0">
+                <a:latin typeface="Times New Roman" panose="02020603050405020304" pitchFamily="18" charset="0"/>
+                <a:cs typeface="Times New Roman" panose="02020603050405020304" pitchFamily="18" charset="0"/>
+              </a:rPr>
+              <a:t> DATA </a:t>
+            </a:r>
+            <a:r>
+              <a:rPr lang="en-US" sz="2800" dirty="0">
+                <a:solidFill>
+                  <a:schemeClr val="tx1"/>
+                </a:solidFill>
+                <a:uFillTx/>
+                <a:latin typeface="Times New Roman" panose="02020603050405020304" pitchFamily="18" charset="0"/>
+                <a:cs typeface="Times New Roman" panose="02020603050405020304" pitchFamily="18" charset="0"/>
+              </a:rPr>
+              <a:t>VISUALIZATION</a:t>
             </a:r>
           </a:p>
           <a:p>
@@ -6376,7 +6576,7 @@
               <a:rPr lang="en-US" dirty="0">
                 <a:latin typeface="Timess"/>
               </a:rPr>
-              <a:t>MODULE DISCRIPTION :</a:t>
+              <a:t>MODULE DESCRIPTION :</a:t>
             </a:r>
           </a:p>
         </p:txBody>
@@ -6391,7 +6591,12 @@
             <p:ph idx="1"/>
           </p:nvPr>
         </p:nvSpPr>
-        <p:spPr/>
+        <p:spPr>
+          <a:xfrm>
+            <a:off x="609600" y="1174750"/>
+            <a:ext cx="10530980" cy="2130512"/>
+          </a:xfrm>
+        </p:spPr>
         <p:txBody>
           <a:bodyPr/>
           <a:lstStyle/>
@@ -6400,6 +6605,20 @@
               <a:buNone/>
             </a:pPr>
             <a:r>
+              <a:rPr lang="en-US" sz="2400" b="1" dirty="0">
+                <a:solidFill>
+                  <a:schemeClr val="tx1"/>
+                </a:solidFill>
+                <a:uFillTx/>
+                <a:latin typeface="Times New Roman" panose="02020603050405020304" pitchFamily="18" charset="0"/>
+                <a:cs typeface="Times New Roman" panose="02020603050405020304" pitchFamily="18" charset="0"/>
+              </a:rPr>
+              <a:t>MODULE 1: DATA COLLECTION, PREPROCESSING &amp; VISUALIZATION</a:t>
+            </a:r>
+          </a:p>
+          <a:p>
+            <a:pPr algn="just"/>
+            <a:r>
               <a:rPr lang="en-US" sz="2400" dirty="0">
                 <a:solidFill>
                   <a:schemeClr val="tx1"/>
@@ -6408,10 +6627,11 @@
                 <a:latin typeface="Times New Roman" panose="02020603050405020304" pitchFamily="18" charset="0"/>
                 <a:cs typeface="Times New Roman" panose="02020603050405020304" pitchFamily="18" charset="0"/>
               </a:rPr>
-              <a:t>DATA COLLECTION, PREPROCESSING &amp; VISUALIZATION</a:t>
-            </a:r>
-          </a:p>
-          <a:p>
+              <a:t>In this module, the primary focus is on gathering and preparing the raw data for analysis. </a:t>
+            </a:r>
+          </a:p>
+          <a:p>
+            <a:pPr algn="just"/>
             <a:r>
               <a:rPr lang="en-US" sz="2400" dirty="0">
                 <a:solidFill>
@@ -6421,12 +6641,12 @@
                 <a:latin typeface="Times New Roman" panose="02020603050405020304" pitchFamily="18" charset="0"/>
                 <a:cs typeface="Times New Roman" panose="02020603050405020304" pitchFamily="18" charset="0"/>
               </a:rPr>
-              <a:t>In this module, the primary focus is on gathering and preparing the raw data for analysis. This involves some important steps like data collection, data preprocessing, and data visualization.</a:t>
-            </a:r>
-          </a:p>
-          <a:p>
-            <a:r>
-              <a:rPr lang="en-US" sz="2400" dirty="0">
+              <a:t>This involves some important steps like data collection, data preprocessing, and data visualization.</a:t>
+            </a:r>
+          </a:p>
+          <a:p>
+            <a:r>
+              <a:rPr lang="en-US" sz="2400" b="1" dirty="0">
                 <a:solidFill>
                   <a:schemeClr val="tx1"/>
                 </a:solidFill>
@@ -6465,8 +6685,8 @@
         </p:blipFill>
         <p:spPr>
           <a:xfrm>
-            <a:off x="2025888" y="3246539"/>
-            <a:ext cx="7227719" cy="3611460"/>
+            <a:off x="3397731" y="3101829"/>
+            <a:ext cx="6862555" cy="3428999"/>
           </a:xfrm>
           <a:prstGeom prst="rect">
             <a:avLst/>
@@ -6510,35 +6730,34 @@
         </p:nvSpPr>
         <p:spPr>
           <a:xfrm>
-            <a:off x="180975" y="387350"/>
-            <a:ext cx="11401425" cy="5740400"/>
+            <a:off x="180976" y="387350"/>
+            <a:ext cx="10363986" cy="5740400"/>
           </a:xfrm>
         </p:spPr>
         <p:txBody>
           <a:bodyPr/>
           <a:lstStyle/>
           <a:p>
-            <a:pPr marL="0" indent="0">
+            <a:pPr marL="0" indent="0" algn="just">
               <a:buNone/>
             </a:pPr>
             <a:r>
+              <a:rPr lang="en-US" sz="2800" b="1" dirty="0">
+                <a:latin typeface="Times New Roman" panose="02020603050405020304" pitchFamily="18" charset="0"/>
+                <a:cs typeface="Times New Roman" panose="02020603050405020304" pitchFamily="18" charset="0"/>
+              </a:rPr>
+              <a:t>Data Preprocessing</a:t>
+            </a:r>
+            <a:r>
               <a:rPr lang="en-US" dirty="0">
                 <a:latin typeface="Times New Roman" panose="02020603050405020304" pitchFamily="18" charset="0"/>
                 <a:cs typeface="Times New Roman" panose="02020603050405020304" pitchFamily="18" charset="0"/>
               </a:rPr>
-              <a:t>Data Preprocessing:</a:t>
-            </a:r>
-          </a:p>
-          <a:p>
-            <a:pPr marL="0" indent="0">
-              <a:buNone/>
-            </a:pPr>
-            <a:endParaRPr lang="en-US" dirty="0">
-              <a:latin typeface="Times New Roman" panose="02020603050405020304" pitchFamily="18" charset="0"/>
-              <a:cs typeface="Times New Roman" panose="02020603050405020304" pitchFamily="18" charset="0"/>
-            </a:endParaRPr>
-          </a:p>
-          <a:p>
+              <a:t>:</a:t>
+            </a:r>
+          </a:p>
+          <a:p>
+            <a:pPr algn="just"/>
             <a:r>
               <a:rPr lang="en-US" sz="2800" dirty="0">
                 <a:solidFill>
@@ -6548,18 +6767,21 @@
                 <a:latin typeface="Times New Roman" panose="02020603050405020304" pitchFamily="18" charset="0"/>
                 <a:cs typeface="Times New Roman" panose="02020603050405020304" pitchFamily="18" charset="0"/>
               </a:rPr>
-              <a:t>The data preprocessing function </a:t>
-            </a:r>
-            <a:r>
-              <a:rPr lang="en-US" sz="2800" dirty="0" err="1">
-                <a:solidFill>
-                  <a:schemeClr val="tx1"/>
-                </a:solidFill>
-                <a:uFillTx/>
-                <a:latin typeface="Times New Roman" panose="02020603050405020304" pitchFamily="18" charset="0"/>
-                <a:cs typeface="Times New Roman" panose="02020603050405020304" pitchFamily="18" charset="0"/>
-              </a:rPr>
-              <a:t>data_cleaning</a:t>
+              <a:t>The data preprocessing function performs several essential tasks to prepare the text data for sentiment analysis.</a:t>
+            </a:r>
+          </a:p>
+          <a:p>
+            <a:pPr algn="just"/>
+            <a:r>
+              <a:rPr lang="en-US" sz="2800" b="1" dirty="0">
+                <a:solidFill>
+                  <a:schemeClr val="tx1"/>
+                </a:solidFill>
+                <a:uFillTx/>
+                <a:latin typeface="Times New Roman" panose="02020603050405020304" pitchFamily="18" charset="0"/>
+                <a:cs typeface="Times New Roman" panose="02020603050405020304" pitchFamily="18" charset="0"/>
+              </a:rPr>
+              <a:t>Tokenization</a:t>
             </a:r>
             <a:r>
               <a:rPr lang="en-US" sz="2800" dirty="0">
@@ -6570,10 +6792,22 @@
                 <a:latin typeface="Times New Roman" panose="02020603050405020304" pitchFamily="18" charset="0"/>
                 <a:cs typeface="Times New Roman" panose="02020603050405020304" pitchFamily="18" charset="0"/>
               </a:rPr>
-              <a:t>(text) performs several essential tasks to prepare the text data for sentiment analysis.</a:t>
-            </a:r>
-          </a:p>
-          <a:p>
+              <a:t> is then applied to break down the text into individual words or tokens, facilitating further processing.</a:t>
+            </a:r>
+          </a:p>
+          <a:p>
+            <a:pPr algn="just"/>
+            <a:r>
+              <a:rPr lang="en-US" sz="2800" b="1" dirty="0">
+                <a:solidFill>
+                  <a:schemeClr val="tx1"/>
+                </a:solidFill>
+                <a:uFillTx/>
+                <a:latin typeface="Times New Roman" panose="02020603050405020304" pitchFamily="18" charset="0"/>
+                <a:cs typeface="Times New Roman" panose="02020603050405020304" pitchFamily="18" charset="0"/>
+              </a:rPr>
+              <a:t>Stop words</a:t>
+            </a:r>
             <a:r>
               <a:rPr lang="en-US" sz="2800" dirty="0">
                 <a:solidFill>
@@ -6583,10 +6817,11 @@
                 <a:latin typeface="Times New Roman" panose="02020603050405020304" pitchFamily="18" charset="0"/>
                 <a:cs typeface="Times New Roman" panose="02020603050405020304" pitchFamily="18" charset="0"/>
               </a:rPr>
-              <a:t>Tokenization is then applied to break down the text into individual words or tokens, facilitating further processing.</a:t>
-            </a:r>
-          </a:p>
-          <a:p>
+              <a:t>, which are common words that often carry little semantic meaning, are removed to reduce dimensionality and focus on significant terms.</a:t>
+            </a:r>
+          </a:p>
+          <a:p>
+            <a:pPr algn="just"/>
             <a:r>
               <a:rPr lang="en-US" sz="2800" dirty="0">
                 <a:solidFill>
@@ -6596,10 +6831,19 @@
                 <a:latin typeface="Times New Roman" panose="02020603050405020304" pitchFamily="18" charset="0"/>
                 <a:cs typeface="Times New Roman" panose="02020603050405020304" pitchFamily="18" charset="0"/>
               </a:rPr>
-              <a:t>Stop words, which are common words that often carry little semantic meaning, are removed to reduce dimensionality and focus on significant terms.</a:t>
-            </a:r>
-          </a:p>
-          <a:p>
+              <a:t>Finally, </a:t>
+            </a:r>
+            <a:r>
+              <a:rPr lang="en-US" sz="2800" b="1" dirty="0">
+                <a:solidFill>
+                  <a:schemeClr val="tx1"/>
+                </a:solidFill>
+                <a:uFillTx/>
+                <a:latin typeface="Times New Roman" panose="02020603050405020304" pitchFamily="18" charset="0"/>
+                <a:cs typeface="Times New Roman" panose="02020603050405020304" pitchFamily="18" charset="0"/>
+              </a:rPr>
+              <a:t>lemmatization</a:t>
+            </a:r>
             <a:r>
               <a:rPr lang="en-US" sz="2800" dirty="0">
                 <a:solidFill>
@@ -6609,10 +6853,11 @@
                 <a:latin typeface="Times New Roman" panose="02020603050405020304" pitchFamily="18" charset="0"/>
                 <a:cs typeface="Times New Roman" panose="02020603050405020304" pitchFamily="18" charset="0"/>
               </a:rPr>
-              <a:t>Finally, lemmatization is performed to reduce words to their base or root form, ensuring that different variations of the same word are treated as identical.</a:t>
-            </a:r>
-          </a:p>
-          <a:p>
+              <a:t> is performed to reduce words to their base or root form, ensuring that different variations of the same word are treated as identical.</a:t>
+            </a:r>
+          </a:p>
+          <a:p>
+            <a:pPr algn="just"/>
             <a:endParaRPr lang="en-US" sz="2800" dirty="0">
               <a:solidFill>
                 <a:schemeClr val="tx1"/>
@@ -6623,6 +6868,7 @@
             </a:endParaRPr>
           </a:p>
           <a:p>
+            <a:pPr algn="just"/>
             <a:endParaRPr lang="en-US" sz="2800" dirty="0">
               <a:solidFill>
                 <a:schemeClr val="tx1"/>
